--- a/版本控制软件-GIT.pptx
+++ b/版本控制软件-GIT.pptx
@@ -250,7 +250,7 @@
           <a:p>
             <a:fld id="{958F1EC0-1030-4E5A-8E3B-31372C5AAB3F}" type="datetimeFigureOut">
               <a:rPr lang="zh-CN" altLang="en-US" smtClean="0"/>
-              <a:t>2015/10/23</a:t>
+              <a:t>2015/10/25</a:t>
             </a:fld>
             <a:endParaRPr lang="zh-CN" altLang="en-US"/>
           </a:p>
@@ -5520,13 +5520,7 @@
               <a:rPr lang="en-US" altLang="zh-CN" sz="2000" dirty="0" smtClean="0">
                 <a:latin typeface="+mn-ea"/>
               </a:rPr>
-              <a:t> </a:t>
-            </a:r>
-            <a:r>
-              <a:rPr lang="en-US" altLang="zh-CN" sz="2000" dirty="0" smtClean="0">
-                <a:latin typeface="+mn-ea"/>
-              </a:rPr>
-              <a:t>checkout – readme.txt</a:t>
+              <a:t> checkout – readme.txt</a:t>
             </a:r>
             <a:r>
               <a:rPr lang="zh-CN" altLang="en-US" sz="2000" dirty="0" smtClean="0">
@@ -5990,31 +5984,19 @@
               <a:rPr lang="zh-CN" altLang="en-US" sz="2000" dirty="0" smtClean="0">
                 <a:latin typeface="+mn-ea"/>
               </a:rPr>
-              <a:t>然后</a:t>
+              <a:t>然后删除这个</a:t>
+            </a:r>
+            <a:r>
+              <a:rPr lang="en-US" altLang="zh-CN" sz="2000" dirty="0" smtClean="0">
+                <a:latin typeface="+mn-ea"/>
+              </a:rPr>
+              <a:t>test.txt</a:t>
             </a:r>
             <a:r>
               <a:rPr lang="zh-CN" altLang="en-US" sz="2000" dirty="0" smtClean="0">
                 <a:latin typeface="+mn-ea"/>
               </a:rPr>
-              <a:t>删除这个</a:t>
-            </a:r>
-            <a:r>
-              <a:rPr lang="en-US" altLang="zh-CN" sz="2000" dirty="0" smtClean="0">
-                <a:latin typeface="+mn-ea"/>
-              </a:rPr>
-              <a:t>test.txt</a:t>
-            </a:r>
-            <a:r>
-              <a:rPr lang="zh-CN" altLang="en-US" sz="2000" dirty="0" smtClean="0">
-                <a:latin typeface="+mn-ea"/>
-              </a:rPr>
-              <a:t>文件</a:t>
-            </a:r>
-            <a:r>
-              <a:rPr lang="zh-CN" altLang="en-US" sz="2000" dirty="0" smtClean="0">
-                <a:latin typeface="+mn-ea"/>
-              </a:rPr>
-              <a:t>。</a:t>
+              <a:t>文件。</a:t>
             </a:r>
             <a:endParaRPr lang="en-US" altLang="zh-CN" sz="2000" dirty="0" smtClean="0">
               <a:latin typeface="+mn-ea"/>
@@ -18725,7 +18707,7 @@
               <a:rPr lang="en-US" altLang="zh-CN" sz="2000" dirty="0" smtClean="0">
                 <a:latin typeface="+mn-ea"/>
               </a:rPr>
-              <a:t>–tags</a:t>
+              <a:t>--tags</a:t>
             </a:r>
           </a:p>
           <a:p>
@@ -20657,6 +20639,72 @@
             </a:endParaRPr>
           </a:p>
           <a:p>
+            <a:r>
+              <a:rPr lang="en-US" altLang="zh-CN" sz="2000" dirty="0" err="1" smtClean="0">
+                <a:latin typeface="+mn-ea"/>
+              </a:rPr>
+              <a:t>chown</a:t>
+            </a:r>
+            <a:r>
+              <a:rPr lang="en-US" altLang="zh-CN" sz="2000" dirty="0" smtClean="0">
+                <a:latin typeface="+mn-ea"/>
+              </a:rPr>
+              <a:t> -R </a:t>
+            </a:r>
+            <a:r>
+              <a:rPr lang="en-US" altLang="zh-CN" sz="2000" dirty="0" err="1" smtClean="0">
+                <a:latin typeface="+mn-ea"/>
+              </a:rPr>
+              <a:t>git.git</a:t>
+            </a:r>
+            <a:r>
+              <a:rPr lang="en-US" altLang="zh-CN" sz="2000" dirty="0" smtClean="0">
+                <a:latin typeface="+mn-ea"/>
+              </a:rPr>
+              <a:t> </a:t>
+            </a:r>
+            <a:r>
+              <a:rPr lang="en-US" altLang="zh-CN" sz="2000" dirty="0" err="1" smtClean="0">
+                <a:latin typeface="+mn-ea"/>
+              </a:rPr>
+              <a:t>sample.git</a:t>
+            </a:r>
+            <a:r>
+              <a:rPr lang="en-US" altLang="zh-CN" sz="2000" dirty="0" smtClean="0">
+                <a:latin typeface="+mn-ea"/>
+              </a:rPr>
+              <a:t> </a:t>
+            </a:r>
+            <a:r>
+              <a:rPr lang="zh-CN" altLang="en-US" sz="2000" dirty="0" smtClean="0">
+                <a:latin typeface="+mn-ea"/>
+              </a:rPr>
+              <a:t>将</a:t>
+            </a:r>
+            <a:r>
+              <a:rPr lang="en-US" altLang="zh-CN" sz="2000" dirty="0" err="1" smtClean="0">
+                <a:latin typeface="+mn-ea"/>
+              </a:rPr>
+              <a:t>sample.git</a:t>
+            </a:r>
+            <a:r>
+              <a:rPr lang="zh-CN" altLang="en-US" sz="2000" dirty="0" smtClean="0">
+                <a:latin typeface="+mn-ea"/>
+              </a:rPr>
+              <a:t>的所有者改为</a:t>
+            </a:r>
+            <a:r>
+              <a:rPr lang="en-US" altLang="zh-CN" sz="2000" dirty="0" err="1" smtClean="0">
+                <a:latin typeface="+mn-ea"/>
+              </a:rPr>
+              <a:t>git</a:t>
+            </a:r>
+            <a:r>
+              <a:rPr lang="zh-CN" altLang="en-US" sz="2000" smtClean="0">
+                <a:latin typeface="+mn-ea"/>
+              </a:rPr>
+              <a:t>。</a:t>
+            </a:r>
             <a:endParaRPr lang="en-US" altLang="zh-CN" sz="2000" dirty="0">
               <a:latin typeface="+mn-ea"/>
             </a:endParaRPr>
@@ -21589,7 +21637,7 @@
         <p:spPr>
           <a:xfrm>
             <a:off x="355633" y="1412776"/>
-            <a:ext cx="8535292" cy="5940088"/>
+            <a:ext cx="8535292" cy="5324535"/>
           </a:xfrm>
           <a:prstGeom prst="rect">
             <a:avLst/>
@@ -22022,16 +22070,6 @@
               </a:rPr>
               <a:t>lesson1</a:t>
             </a:r>
-            <a:endParaRPr lang="en-US" altLang="zh-CN" sz="2000" dirty="0">
-              <a:latin typeface="+mn-ea"/>
-            </a:endParaRPr>
-          </a:p>
-          <a:p>
-            <a:endParaRPr lang="en-US" altLang="zh-CN" sz="2000" dirty="0">
-              <a:latin typeface="+mn-ea"/>
-            </a:endParaRPr>
-          </a:p>
-          <a:p>
             <a:endParaRPr lang="en-US" altLang="zh-CN" sz="2000" dirty="0">
               <a:latin typeface="+mn-ea"/>
             </a:endParaRPr>
